--- a/ProjectDocumentation/StoreAssist.pptx
+++ b/ProjectDocumentation/StoreAssist.pptx
@@ -8,9 +8,8 @@
     <p:sldId id="256" r:id="rId2"/>
     <p:sldId id="257" r:id="rId3"/>
     <p:sldId id="258" r:id="rId4"/>
-    <p:sldId id="260" r:id="rId5"/>
-    <p:sldId id="259" r:id="rId6"/>
-    <p:sldId id="261" r:id="rId7"/>
+    <p:sldId id="262" r:id="rId5"/>
+    <p:sldId id="261" r:id="rId6"/>
   </p:sldIdLst>
   <p:sldSz cx="12192000" cy="6858000"/>
   <p:notesSz cx="6858000" cy="9144000"/>
@@ -449,7 +448,7 @@
             <a:fld id="{B61BEF0D-F0BB-DE4B-95CE-6DB70DBA9567}" type="datetimeFigureOut">
               <a:rPr lang="en-US" dirty="0"/>
               <a:pPr/>
-              <a:t>3/20/2020</a:t>
+              <a:t>5/1/2020</a:t>
             </a:fld>
             <a:endParaRPr lang="en-US" dirty="0"/>
           </a:p>
@@ -770,7 +769,7 @@
             <a:fld id="{B61BEF0D-F0BB-DE4B-95CE-6DB70DBA9567}" type="datetimeFigureOut">
               <a:rPr lang="en-US" dirty="0"/>
               <a:pPr/>
-              <a:t>3/20/2020</a:t>
+              <a:t>5/1/2020</a:t>
             </a:fld>
             <a:endParaRPr lang="en-US" dirty="0"/>
           </a:p>
@@ -1015,7 +1014,7 @@
             <a:fld id="{B61BEF0D-F0BB-DE4B-95CE-6DB70DBA9567}" type="datetimeFigureOut">
               <a:rPr lang="en-US" dirty="0"/>
               <a:pPr/>
-              <a:t>3/20/2020</a:t>
+              <a:t>5/1/2020</a:t>
             </a:fld>
             <a:endParaRPr lang="en-US" dirty="0"/>
           </a:p>
@@ -1351,7 +1350,7 @@
             <a:fld id="{B61BEF0D-F0BB-DE4B-95CE-6DB70DBA9567}" type="datetimeFigureOut">
               <a:rPr lang="en-US" dirty="0"/>
               <a:pPr/>
-              <a:t>3/20/2020</a:t>
+              <a:t>5/1/2020</a:t>
             </a:fld>
             <a:endParaRPr lang="en-US" dirty="0"/>
           </a:p>
@@ -1695,7 +1694,7 @@
             <a:fld id="{B61BEF0D-F0BB-DE4B-95CE-6DB70DBA9567}" type="datetimeFigureOut">
               <a:rPr lang="en-US" dirty="0"/>
               <a:pPr/>
-              <a:t>3/20/2020</a:t>
+              <a:t>5/1/2020</a:t>
             </a:fld>
             <a:endParaRPr lang="en-US" dirty="0"/>
           </a:p>
@@ -2066,7 +2065,7 @@
             <a:fld id="{B61BEF0D-F0BB-DE4B-95CE-6DB70DBA9567}" type="datetimeFigureOut">
               <a:rPr lang="en-US" dirty="0"/>
               <a:pPr/>
-              <a:t>3/20/2020</a:t>
+              <a:t>5/1/2020</a:t>
             </a:fld>
             <a:endParaRPr lang="en-US" dirty="0"/>
           </a:p>
@@ -2533,7 +2532,7 @@
             <a:fld id="{B61BEF0D-F0BB-DE4B-95CE-6DB70DBA9567}" type="datetimeFigureOut">
               <a:rPr lang="en-US" dirty="0"/>
               <a:pPr/>
-              <a:t>3/20/2020</a:t>
+              <a:t>5/1/2020</a:t>
             </a:fld>
             <a:endParaRPr lang="en-US" dirty="0"/>
           </a:p>
@@ -2735,7 +2734,7 @@
             <a:fld id="{B61BEF0D-F0BB-DE4B-95CE-6DB70DBA9567}" type="datetimeFigureOut">
               <a:rPr lang="en-US" dirty="0"/>
               <a:pPr/>
-              <a:t>3/20/2020</a:t>
+              <a:t>5/1/2020</a:t>
             </a:fld>
             <a:endParaRPr lang="en-US" dirty="0"/>
           </a:p>
@@ -2943,7 +2942,7 @@
             <a:fld id="{B61BEF0D-F0BB-DE4B-95CE-6DB70DBA9567}" type="datetimeFigureOut">
               <a:rPr lang="en-US" dirty="0"/>
               <a:pPr/>
-              <a:t>3/20/2020</a:t>
+              <a:t>5/1/2020</a:t>
             </a:fld>
             <a:endParaRPr lang="en-US" dirty="0"/>
           </a:p>
@@ -3171,7 +3170,7 @@
           <a:p>
             <a:fld id="{05BFA754-D5C3-4E66-96A6-867B257F58DC}" type="datetimeFigureOut">
               <a:rPr lang="en-US" dirty="0"/>
-              <a:t>3/20/2020</a:t>
+              <a:t>5/1/2020</a:t>
             </a:fld>
             <a:endParaRPr lang="en-US" dirty="0"/>
           </a:p>
@@ -3415,7 +3414,7 @@
             <a:fld id="{B61BEF0D-F0BB-DE4B-95CE-6DB70DBA9567}" type="datetimeFigureOut">
               <a:rPr lang="en-US" dirty="0"/>
               <a:pPr/>
-              <a:t>3/20/2020</a:t>
+              <a:t>5/1/2020</a:t>
             </a:fld>
             <a:endParaRPr lang="en-US" dirty="0"/>
           </a:p>
@@ -3678,7 +3677,7 @@
           <a:p>
             <a:fld id="{05BFA754-D5C3-4E66-96A6-867B257F58DC}" type="datetimeFigureOut">
               <a:rPr lang="en-US" dirty="0"/>
-              <a:t>3/20/2020</a:t>
+              <a:t>5/1/2020</a:t>
             </a:fld>
             <a:endParaRPr lang="en-US" dirty="0"/>
           </a:p>
@@ -4087,7 +4086,7 @@
             <a:fld id="{B61BEF0D-F0BB-DE4B-95CE-6DB70DBA9567}" type="datetimeFigureOut">
               <a:rPr lang="en-US" dirty="0"/>
               <a:pPr/>
-              <a:t>3/20/2020</a:t>
+              <a:t>5/1/2020</a:t>
             </a:fld>
             <a:endParaRPr lang="en-US" dirty="0"/>
           </a:p>
@@ -4233,7 +4232,7 @@
             <a:fld id="{B61BEF0D-F0BB-DE4B-95CE-6DB70DBA9567}" type="datetimeFigureOut">
               <a:rPr lang="en-US" dirty="0"/>
               <a:pPr/>
-              <a:t>3/20/2020</a:t>
+              <a:t>5/1/2020</a:t>
             </a:fld>
             <a:endParaRPr lang="en-US" dirty="0"/>
           </a:p>
@@ -4356,7 +4355,7 @@
             <a:fld id="{B61BEF0D-F0BB-DE4B-95CE-6DB70DBA9567}" type="datetimeFigureOut">
               <a:rPr lang="en-US" dirty="0"/>
               <a:pPr/>
-              <a:t>3/20/2020</a:t>
+              <a:t>5/1/2020</a:t>
             </a:fld>
             <a:endParaRPr lang="en-US" dirty="0"/>
           </a:p>
@@ -4608,7 +4607,7 @@
             <a:fld id="{B61BEF0D-F0BB-DE4B-95CE-6DB70DBA9567}" type="datetimeFigureOut">
               <a:rPr lang="en-US" dirty="0"/>
               <a:pPr/>
-              <a:t>3/20/2020</a:t>
+              <a:t>5/1/2020</a:t>
             </a:fld>
             <a:endParaRPr lang="en-US" dirty="0"/>
           </a:p>
@@ -4920,7 +4919,7 @@
             <a:fld id="{B61BEF0D-F0BB-DE4B-95CE-6DB70DBA9567}" type="datetimeFigureOut">
               <a:rPr lang="en-US" dirty="0"/>
               <a:pPr/>
-              <a:t>3/20/2020</a:t>
+              <a:t>5/1/2020</a:t>
             </a:fld>
             <a:endParaRPr lang="en-US" dirty="0"/>
           </a:p>
@@ -5268,7 +5267,7 @@
             <a:fld id="{B61BEF0D-F0BB-DE4B-95CE-6DB70DBA9567}" type="datetimeFigureOut">
               <a:rPr lang="en-US" dirty="0"/>
               <a:pPr/>
-              <a:t>3/20/2020</a:t>
+              <a:t>5/1/2020</a:t>
             </a:fld>
             <a:endParaRPr lang="en-US" dirty="0"/>
           </a:p>
@@ -6134,6 +6133,15 @@
 <file path=ppt/slides/slide4.xml><?xml version="1.0" encoding="utf-8"?>
 <p:sld xmlns:a="http://schemas.openxmlformats.org/drawingml/2006/main" xmlns:r="http://schemas.openxmlformats.org/officeDocument/2006/relationships" xmlns:p="http://schemas.openxmlformats.org/presentationml/2006/main">
   <p:cSld>
+    <p:bg>
+      <p:bgPr>
+        <a:blipFill>
+          <a:blip r:embed="rId2"/>
+          <a:stretch/>
+        </a:blipFill>
+        <a:effectLst/>
+      </p:bgPr>
+    </p:bg>
     <p:spTree>
       <p:nvGrpSpPr>
         <p:cNvPr id="1" name=""/>
@@ -6148,12 +6156,575 @@
           <a:chExt cx="0" cy="0"/>
         </a:xfrm>
       </p:grpSpPr>
+      <p:grpSp>
+        <p:nvGrpSpPr>
+          <p:cNvPr id="24" name="Group 23">
+            <a:extLst>
+              <a:ext uri="{FF2B5EF4-FFF2-40B4-BE49-F238E27FC236}">
+                <a16:creationId xmlns:a16="http://schemas.microsoft.com/office/drawing/2014/main" id="{70F82E3E-E291-4077-9561-D03BD8817A6B}"/>
+              </a:ext>
+              <a:ext uri="{C183D7F6-B498-43B3-948B-1728B52AA6E4}">
+                <adec:decorative xmlns:adec="http://schemas.microsoft.com/office/drawing/2017/decorative" val="1"/>
+              </a:ext>
+            </a:extLst>
+          </p:cNvPr>
+          <p:cNvGrpSpPr>
+            <a:grpSpLocks noGrp="1" noUngrp="1" noRot="1" noChangeAspect="1" noMove="1" noResize="1"/>
+          </p:cNvGrpSpPr>
+          <p:nvPr>
+            <p:extLst>
+              <p:ext uri="{386F3935-93C4-4BCD-93E2-E3B085C9AB24}">
+                <p16:designElem xmlns:p16="http://schemas.microsoft.com/office/powerpoint/2015/main" val="1"/>
+              </p:ext>
+            </p:extLst>
+          </p:nvPr>
+        </p:nvGrpSpPr>
+        <p:grpSpPr>
+          <a:xfrm>
+            <a:off x="0" y="0"/>
+            <a:ext cx="12188825" cy="6872226"/>
+            <a:chOff x="0" y="0"/>
+            <a:chExt cx="12188825" cy="6872226"/>
+          </a:xfrm>
+        </p:grpSpPr>
+        <p:pic>
+          <p:nvPicPr>
+            <p:cNvPr id="25" name="Picture 24">
+              <a:extLst>
+                <a:ext uri="{FF2B5EF4-FFF2-40B4-BE49-F238E27FC236}">
+                  <a16:creationId xmlns:a16="http://schemas.microsoft.com/office/drawing/2014/main" id="{064A9319-91FB-4B4F-815A-A046C6378C9E}"/>
+                </a:ext>
+                <a:ext uri="{C183D7F6-B498-43B3-948B-1728B52AA6E4}">
+                  <adec:decorative xmlns:adec="http://schemas.microsoft.com/office/drawing/2017/decorative" val="1"/>
+                </a:ext>
+              </a:extLst>
+            </p:cNvPr>
+            <p:cNvPicPr>
+              <a:picLocks noChangeAspect="1"/>
+            </p:cNvPicPr>
+            <p:nvPr>
+              <p:extLst>
+                <p:ext uri="{386F3935-93C4-4BCD-93E2-E3B085C9AB24}">
+                  <p16:designElem xmlns:p16="http://schemas.microsoft.com/office/powerpoint/2015/main" val="1"/>
+                </p:ext>
+              </p:extLst>
+            </p:nvPr>
+          </p:nvPicPr>
+          <p:blipFill>
+            <a:blip r:embed="rId3">
+              <a:extLst>
+                <a:ext uri="{28A0092B-C50C-407E-A947-70E740481C1C}">
+                  <a14:useLocalDpi xmlns:a14="http://schemas.microsoft.com/office/drawing/2010/main" val="0"/>
+                </a:ext>
+              </a:extLst>
+            </a:blip>
+            <a:stretch>
+              <a:fillRect/>
+            </a:stretch>
+          </p:blipFill>
+          <p:spPr>
+            <a:xfrm>
+              <a:off x="0" y="0"/>
+              <a:ext cx="12188825" cy="6856214"/>
+            </a:xfrm>
+            <a:prstGeom prst="rect">
+              <a:avLst/>
+            </a:prstGeom>
+          </p:spPr>
+        </p:pic>
+        <p:sp>
+          <p:nvSpPr>
+            <p:cNvPr id="26" name="Rectangle 25">
+              <a:extLst>
+                <a:ext uri="{FF2B5EF4-FFF2-40B4-BE49-F238E27FC236}">
+                  <a16:creationId xmlns:a16="http://schemas.microsoft.com/office/drawing/2014/main" id="{1365E65E-138F-4485-AA9E-188DF346CF42}"/>
+                </a:ext>
+                <a:ext uri="{C183D7F6-B498-43B3-948B-1728B52AA6E4}">
+                  <adec:decorative xmlns:adec="http://schemas.microsoft.com/office/drawing/2017/decorative" val="1"/>
+                </a:ext>
+              </a:extLst>
+            </p:cNvPr>
+            <p:cNvSpPr/>
+            <p:nvPr>
+              <p:extLst>
+                <p:ext uri="{386F3935-93C4-4BCD-93E2-E3B085C9AB24}">
+                  <p16:designElem xmlns:p16="http://schemas.microsoft.com/office/powerpoint/2015/main" val="1"/>
+                </p:ext>
+              </p:extLst>
+            </p:nvPr>
+          </p:nvSpPr>
+          <p:spPr>
+            <a:xfrm>
+              <a:off x="2328332" y="1540931"/>
+              <a:ext cx="7543802" cy="3835401"/>
+            </a:xfrm>
+            <a:prstGeom prst="rect">
+              <a:avLst/>
+            </a:prstGeom>
+            <a:noFill/>
+            <a:ln w="15875">
+              <a:miter lim="800000"/>
+            </a:ln>
+          </p:spPr>
+          <p:style>
+            <a:lnRef idx="1">
+              <a:schemeClr val="accent1"/>
+            </a:lnRef>
+            <a:fillRef idx="3">
+              <a:schemeClr val="accent1"/>
+            </a:fillRef>
+            <a:effectRef idx="2">
+              <a:schemeClr val="accent1"/>
+            </a:effectRef>
+            <a:fontRef idx="minor">
+              <a:schemeClr val="lt1"/>
+            </a:fontRef>
+          </p:style>
+        </p:sp>
+        <p:pic>
+          <p:nvPicPr>
+            <p:cNvPr id="27" name="Picture 26">
+              <a:extLst>
+                <a:ext uri="{FF2B5EF4-FFF2-40B4-BE49-F238E27FC236}">
+                  <a16:creationId xmlns:a16="http://schemas.microsoft.com/office/drawing/2014/main" id="{82DE2924-A79E-4612-8899-041380003243}"/>
+                </a:ext>
+                <a:ext uri="{C183D7F6-B498-43B3-948B-1728B52AA6E4}">
+                  <adec:decorative xmlns:adec="http://schemas.microsoft.com/office/drawing/2017/decorative" val="1"/>
+                </a:ext>
+              </a:extLst>
+            </p:cNvPr>
+            <p:cNvPicPr>
+              <a:picLocks noChangeAspect="1"/>
+            </p:cNvPicPr>
+            <p:nvPr>
+              <p:extLst>
+                <p:ext uri="{386F3935-93C4-4BCD-93E2-E3B085C9AB24}">
+                  <p16:designElem xmlns:p16="http://schemas.microsoft.com/office/powerpoint/2015/main" val="1"/>
+                </p:ext>
+              </p:extLst>
+            </p:nvPr>
+          </p:nvPicPr>
+          <p:blipFill rotWithShape="1">
+            <a:blip r:embed="rId4">
+              <a:extLst>
+                <a:ext uri="{28A0092B-C50C-407E-A947-70E740481C1C}">
+                  <a14:useLocalDpi xmlns:a14="http://schemas.microsoft.com/office/drawing/2010/main" val="0"/>
+                </a:ext>
+              </a:extLst>
+            </a:blip>
+            <a:srcRect l="2" r="47673"/>
+            <a:stretch/>
+          </p:blipFill>
+          <p:spPr>
+            <a:xfrm rot="5400000">
+              <a:off x="5245268" y="530352"/>
+              <a:ext cx="1673352" cy="612648"/>
+            </a:xfrm>
+            <a:prstGeom prst="rect">
+              <a:avLst/>
+            </a:prstGeom>
+          </p:spPr>
+        </p:pic>
+        <p:pic>
+          <p:nvPicPr>
+            <p:cNvPr id="28" name="Picture 27">
+              <a:extLst>
+                <a:ext uri="{FF2B5EF4-FFF2-40B4-BE49-F238E27FC236}">
+                  <a16:creationId xmlns:a16="http://schemas.microsoft.com/office/drawing/2014/main" id="{594B8494-882E-4FE9-BFAD-26515587462C}"/>
+                </a:ext>
+                <a:ext uri="{C183D7F6-B498-43B3-948B-1728B52AA6E4}">
+                  <adec:decorative xmlns:adec="http://schemas.microsoft.com/office/drawing/2017/decorative" val="1"/>
+                </a:ext>
+              </a:extLst>
+            </p:cNvPr>
+            <p:cNvPicPr>
+              <a:picLocks noChangeAspect="1"/>
+            </p:cNvPicPr>
+            <p:nvPr>
+              <p:extLst>
+                <p:ext uri="{386F3935-93C4-4BCD-93E2-E3B085C9AB24}">
+                  <p16:designElem xmlns:p16="http://schemas.microsoft.com/office/powerpoint/2015/main" val="1"/>
+                </p:ext>
+              </p:extLst>
+            </p:nvPr>
+          </p:nvPicPr>
+          <p:blipFill rotWithShape="1">
+            <a:blip r:embed="rId4">
+              <a:extLst>
+                <a:ext uri="{28A0092B-C50C-407E-A947-70E740481C1C}">
+                  <a14:useLocalDpi xmlns:a14="http://schemas.microsoft.com/office/drawing/2010/main" val="0"/>
+                </a:ext>
+              </a:extLst>
+            </a:blip>
+            <a:srcRect r="48819"/>
+            <a:stretch/>
+          </p:blipFill>
+          <p:spPr>
+            <a:xfrm rot="5400000">
+              <a:off x="5263556" y="5747514"/>
+              <a:ext cx="1636776" cy="612648"/>
+            </a:xfrm>
+            <a:prstGeom prst="rect">
+              <a:avLst/>
+            </a:prstGeom>
+          </p:spPr>
+        </p:pic>
+      </p:grpSp>
+      <p:cxnSp>
+        <p:nvCxnSpPr>
+          <p:cNvPr id="30" name="Straight Connector 29">
+            <a:extLst>
+              <a:ext uri="{FF2B5EF4-FFF2-40B4-BE49-F238E27FC236}">
+                <a16:creationId xmlns:a16="http://schemas.microsoft.com/office/drawing/2014/main" id="{9A5BFCFB-CCDF-43A8-888F-E16CF73D2F8D}"/>
+              </a:ext>
+              <a:ext uri="{C183D7F6-B498-43B3-948B-1728B52AA6E4}">
+                <adec:decorative xmlns:adec="http://schemas.microsoft.com/office/drawing/2017/decorative" val="1"/>
+              </a:ext>
+            </a:extLst>
+          </p:cNvPr>
+          <p:cNvCxnSpPr>
+            <a:cxnSpLocks noGrp="1" noRot="1" noChangeAspect="1" noMove="1" noResize="1" noEditPoints="1" noAdjustHandles="1" noChangeArrowheads="1" noChangeShapeType="1"/>
+          </p:cNvCxnSpPr>
+          <p:nvPr>
+            <p:extLst>
+              <p:ext uri="{386F3935-93C4-4BCD-93E2-E3B085C9AB24}">
+                <p16:designElem xmlns:p16="http://schemas.microsoft.com/office/powerpoint/2015/main" val="1"/>
+              </p:ext>
+            </p:extLst>
+          </p:nvPr>
+        </p:nvCxnSpPr>
+        <p:spPr>
+          <a:xfrm>
+            <a:off x="2692399" y="3522131"/>
+            <a:ext cx="6815668" cy="0"/>
+          </a:xfrm>
+          <a:prstGeom prst="line">
+            <a:avLst/>
+          </a:prstGeom>
+        </p:spPr>
+        <p:style>
+          <a:lnRef idx="2">
+            <a:schemeClr val="accent1"/>
+          </a:lnRef>
+          <a:fillRef idx="0">
+            <a:schemeClr val="accent1"/>
+          </a:fillRef>
+          <a:effectRef idx="1">
+            <a:schemeClr val="accent1"/>
+          </a:effectRef>
+          <a:fontRef idx="minor">
+            <a:schemeClr val="tx1"/>
+          </a:fontRef>
+        </p:style>
+      </p:cxnSp>
+      <p:grpSp>
+        <p:nvGrpSpPr>
+          <p:cNvPr id="32" name="Group 31">
+            <a:extLst>
+              <a:ext uri="{FF2B5EF4-FFF2-40B4-BE49-F238E27FC236}">
+                <a16:creationId xmlns:a16="http://schemas.microsoft.com/office/drawing/2014/main" id="{87A84A88-56D8-46EF-B003-C467C54DDC04}"/>
+              </a:ext>
+              <a:ext uri="{C183D7F6-B498-43B3-948B-1728B52AA6E4}">
+                <adec:decorative xmlns:adec="http://schemas.microsoft.com/office/drawing/2017/decorative" val="1"/>
+              </a:ext>
+            </a:extLst>
+          </p:cNvPr>
+          <p:cNvGrpSpPr>
+            <a:grpSpLocks noGrp="1" noUngrp="1" noRot="1" noChangeAspect="1" noMove="1" noResize="1"/>
+          </p:cNvGrpSpPr>
+          <p:nvPr>
+            <p:extLst>
+              <p:ext uri="{386F3935-93C4-4BCD-93E2-E3B085C9AB24}">
+                <p16:designElem xmlns:p16="http://schemas.microsoft.com/office/powerpoint/2015/main" val="1"/>
+              </p:ext>
+            </p:extLst>
+          </p:nvPr>
+        </p:nvGrpSpPr>
+        <p:grpSpPr>
+          <a:xfrm>
+            <a:off x="0" y="0"/>
+            <a:ext cx="12192000" cy="6858000"/>
+            <a:chOff x="0" y="0"/>
+            <a:chExt cx="12192000" cy="6858000"/>
+          </a:xfrm>
+        </p:grpSpPr>
+        <p:sp useBgFill="1">
+          <p:nvSpPr>
+            <p:cNvPr id="33" name="Rectangle 32">
+              <a:extLst>
+                <a:ext uri="{FF2B5EF4-FFF2-40B4-BE49-F238E27FC236}">
+                  <a16:creationId xmlns:a16="http://schemas.microsoft.com/office/drawing/2014/main" id="{BE02409C-AAC9-4B71-B433-1F04779899EC}"/>
+                </a:ext>
+                <a:ext uri="{C183D7F6-B498-43B3-948B-1728B52AA6E4}">
+                  <adec:decorative xmlns:adec="http://schemas.microsoft.com/office/drawing/2017/decorative" val="1"/>
+                </a:ext>
+              </a:extLst>
+            </p:cNvPr>
+            <p:cNvSpPr/>
+            <p:nvPr>
+              <p:extLst>
+                <p:ext uri="{386F3935-93C4-4BCD-93E2-E3B085C9AB24}">
+                  <p16:designElem xmlns:p16="http://schemas.microsoft.com/office/powerpoint/2015/main" val="1"/>
+                </p:ext>
+              </p:extLst>
+            </p:nvPr>
+          </p:nvSpPr>
+          <p:spPr>
+            <a:xfrm>
+              <a:off x="0" y="0"/>
+              <a:ext cx="12192000" cy="6858000"/>
+            </a:xfrm>
+            <a:prstGeom prst="rect">
+              <a:avLst/>
+            </a:prstGeom>
+            <a:ln>
+              <a:noFill/>
+            </a:ln>
+          </p:spPr>
+          <p:style>
+            <a:lnRef idx="2">
+              <a:schemeClr val="accent1">
+                <a:shade val="50000"/>
+              </a:schemeClr>
+            </a:lnRef>
+            <a:fillRef idx="1">
+              <a:schemeClr val="accent1"/>
+            </a:fillRef>
+            <a:effectRef idx="0">
+              <a:schemeClr val="accent1"/>
+            </a:effectRef>
+            <a:fontRef idx="minor">
+              <a:schemeClr val="lt1"/>
+            </a:fontRef>
+          </p:style>
+          <p:txBody>
+            <a:bodyPr rtlCol="0" anchor="ctr"/>
+            <a:lstStyle/>
+            <a:p>
+              <a:pPr algn="ctr"/>
+              <a:endParaRPr lang="en-US"/>
+            </a:p>
+          </p:txBody>
+        </p:sp>
+        <p:grpSp>
+          <p:nvGrpSpPr>
+            <p:cNvPr id="34" name="Group 33">
+              <a:extLst>
+                <a:ext uri="{FF2B5EF4-FFF2-40B4-BE49-F238E27FC236}">
+                  <a16:creationId xmlns:a16="http://schemas.microsoft.com/office/drawing/2014/main" id="{B04F123D-B711-484C-90B7-7E3EEA5402D1}"/>
+                </a:ext>
+                <a:ext uri="{C183D7F6-B498-43B3-948B-1728B52AA6E4}">
+                  <adec:decorative xmlns:adec="http://schemas.microsoft.com/office/drawing/2017/decorative" val="1"/>
+                </a:ext>
+              </a:extLst>
+            </p:cNvPr>
+            <p:cNvGrpSpPr/>
+            <p:nvPr>
+              <p:extLst>
+                <p:ext uri="{386F3935-93C4-4BCD-93E2-E3B085C9AB24}">
+                  <p16:designElem xmlns:p16="http://schemas.microsoft.com/office/powerpoint/2015/main" val="1"/>
+                </p:ext>
+              </p:extLst>
+            </p:nvPr>
+          </p:nvGrpSpPr>
+          <p:grpSpPr>
+            <a:xfrm>
+              <a:off x="0" y="0"/>
+              <a:ext cx="12188825" cy="6856215"/>
+              <a:chOff x="0" y="0"/>
+              <a:chExt cx="12188825" cy="6856215"/>
+            </a:xfrm>
+          </p:grpSpPr>
+          <p:pic>
+            <p:nvPicPr>
+              <p:cNvPr id="35" name="Picture 34">
+                <a:extLst>
+                  <a:ext uri="{FF2B5EF4-FFF2-40B4-BE49-F238E27FC236}">
+                    <a16:creationId xmlns:a16="http://schemas.microsoft.com/office/drawing/2014/main" id="{FF5BA041-244A-457E-846E-ED0CBCD0EBD8}"/>
+                  </a:ext>
+                  <a:ext uri="{C183D7F6-B498-43B3-948B-1728B52AA6E4}">
+                    <adec:decorative xmlns:adec="http://schemas.microsoft.com/office/drawing/2017/decorative" val="1"/>
+                  </a:ext>
+                </a:extLst>
+              </p:cNvPr>
+              <p:cNvPicPr>
+                <a:picLocks noChangeAspect="1"/>
+              </p:cNvPicPr>
+              <p:nvPr>
+                <p:extLst>
+                  <p:ext uri="{386F3935-93C4-4BCD-93E2-E3B085C9AB24}">
+                    <p16:designElem xmlns:p16="http://schemas.microsoft.com/office/powerpoint/2015/main" val="1"/>
+                  </p:ext>
+                </p:extLst>
+              </p:nvPr>
+            </p:nvPicPr>
+            <p:blipFill>
+              <a:blip r:embed="rId5">
+                <a:extLst>
+                  <a:ext uri="{28A0092B-C50C-407E-A947-70E740481C1C}">
+                    <a14:useLocalDpi xmlns:a14="http://schemas.microsoft.com/office/drawing/2010/main" val="0"/>
+                  </a:ext>
+                </a:extLst>
+              </a:blip>
+              <a:stretch>
+                <a:fillRect/>
+              </a:stretch>
+            </p:blipFill>
+            <p:spPr>
+              <a:xfrm>
+                <a:off x="0" y="0"/>
+                <a:ext cx="12188825" cy="6856214"/>
+              </a:xfrm>
+              <a:prstGeom prst="rect">
+                <a:avLst/>
+              </a:prstGeom>
+            </p:spPr>
+          </p:pic>
+          <p:sp>
+            <p:nvSpPr>
+              <p:cNvPr id="36" name="Rectangle 35">
+                <a:extLst>
+                  <a:ext uri="{FF2B5EF4-FFF2-40B4-BE49-F238E27FC236}">
+                    <a16:creationId xmlns:a16="http://schemas.microsoft.com/office/drawing/2014/main" id="{21C4581C-A5C4-46B6-994D-8E954AC8A064}"/>
+                  </a:ext>
+                  <a:ext uri="{C183D7F6-B498-43B3-948B-1728B52AA6E4}">
+                    <adec:decorative xmlns:adec="http://schemas.microsoft.com/office/drawing/2017/decorative" val="1"/>
+                  </a:ext>
+                </a:extLst>
+              </p:cNvPr>
+              <p:cNvSpPr/>
+              <p:nvPr>
+                <p:extLst>
+                  <p:ext uri="{386F3935-93C4-4BCD-93E2-E3B085C9AB24}">
+                    <p16:designElem xmlns:p16="http://schemas.microsoft.com/office/powerpoint/2015/main" val="1"/>
+                  </p:ext>
+                </p:extLst>
+              </p:nvPr>
+            </p:nvSpPr>
+            <p:spPr>
+              <a:xfrm>
+                <a:off x="608012" y="609600"/>
+                <a:ext cx="10972800" cy="5638800"/>
+              </a:xfrm>
+              <a:prstGeom prst="rect">
+                <a:avLst/>
+              </a:prstGeom>
+              <a:noFill/>
+              <a:ln w="15875" cap="flat">
+                <a:miter lim="800000"/>
+              </a:ln>
+            </p:spPr>
+            <p:style>
+              <a:lnRef idx="1">
+                <a:schemeClr val="accent1"/>
+              </a:lnRef>
+              <a:fillRef idx="3">
+                <a:schemeClr val="accent1"/>
+              </a:fillRef>
+              <a:effectRef idx="2">
+                <a:schemeClr val="accent1"/>
+              </a:effectRef>
+              <a:fontRef idx="minor">
+                <a:schemeClr val="lt1"/>
+              </a:fontRef>
+            </p:style>
+          </p:sp>
+          <p:pic>
+            <p:nvPicPr>
+              <p:cNvPr id="37" name="Picture 36">
+                <a:extLst>
+                  <a:ext uri="{FF2B5EF4-FFF2-40B4-BE49-F238E27FC236}">
+                    <a16:creationId xmlns:a16="http://schemas.microsoft.com/office/drawing/2014/main" id="{A50DE8B2-6159-4CEA-9388-88C104386FAA}"/>
+                  </a:ext>
+                  <a:ext uri="{C183D7F6-B498-43B3-948B-1728B52AA6E4}">
+                    <adec:decorative xmlns:adec="http://schemas.microsoft.com/office/drawing/2017/decorative" val="1"/>
+                  </a:ext>
+                </a:extLst>
+              </p:cNvPr>
+              <p:cNvPicPr>
+                <a:picLocks noChangeAspect="1"/>
+              </p:cNvPicPr>
+              <p:nvPr>
+                <p:extLst>
+                  <p:ext uri="{386F3935-93C4-4BCD-93E2-E3B085C9AB24}">
+                    <p16:designElem xmlns:p16="http://schemas.microsoft.com/office/powerpoint/2015/main" val="1"/>
+                  </p:ext>
+                </p:extLst>
+              </p:nvPr>
+            </p:nvPicPr>
+            <p:blipFill rotWithShape="1">
+              <a:blip r:embed="rId6">
+                <a:extLst>
+                  <a:ext uri="{28A0092B-C50C-407E-A947-70E740481C1C}">
+                    <a14:useLocalDpi xmlns:a14="http://schemas.microsoft.com/office/drawing/2010/main" val="0"/>
+                  </a:ext>
+                </a:extLst>
+              </a:blip>
+              <a:srcRect r="5093"/>
+              <a:stretch/>
+            </p:blipFill>
+            <p:spPr>
+              <a:xfrm rot="5400000">
+                <a:off x="5706471" y="76265"/>
+                <a:ext cx="758952" cy="606425"/>
+              </a:xfrm>
+              <a:prstGeom prst="rect">
+                <a:avLst/>
+              </a:prstGeom>
+            </p:spPr>
+          </p:pic>
+          <p:pic>
+            <p:nvPicPr>
+              <p:cNvPr id="38" name="Picture 37">
+                <a:extLst>
+                  <a:ext uri="{FF2B5EF4-FFF2-40B4-BE49-F238E27FC236}">
+                    <a16:creationId xmlns:a16="http://schemas.microsoft.com/office/drawing/2014/main" id="{06A4A158-2E58-432F-839F-5B3A8133BDA2}"/>
+                  </a:ext>
+                  <a:ext uri="{C183D7F6-B498-43B3-948B-1728B52AA6E4}">
+                    <adec:decorative xmlns:adec="http://schemas.microsoft.com/office/drawing/2017/decorative" val="1"/>
+                  </a:ext>
+                </a:extLst>
+              </p:cNvPr>
+              <p:cNvPicPr>
+                <a:picLocks noChangeAspect="1"/>
+              </p:cNvPicPr>
+              <p:nvPr>
+                <p:extLst>
+                  <p:ext uri="{386F3935-93C4-4BCD-93E2-E3B085C9AB24}">
+                    <p16:designElem xmlns:p16="http://schemas.microsoft.com/office/powerpoint/2015/main" val="1"/>
+                  </p:ext>
+                </p:extLst>
+              </p:nvPr>
+            </p:nvPicPr>
+            <p:blipFill rotWithShape="1">
+              <a:blip r:embed="rId6">
+                <a:extLst>
+                  <a:ext uri="{28A0092B-C50C-407E-A947-70E740481C1C}">
+                    <a14:useLocalDpi xmlns:a14="http://schemas.microsoft.com/office/drawing/2010/main" val="0"/>
+                  </a:ext>
+                </a:extLst>
+              </a:blip>
+              <a:srcRect r="5093"/>
+              <a:stretch/>
+            </p:blipFill>
+            <p:spPr>
+              <a:xfrm rot="5400000">
+                <a:off x="5706470" y="6173526"/>
+                <a:ext cx="758952" cy="606425"/>
+              </a:xfrm>
+              <a:prstGeom prst="rect">
+                <a:avLst/>
+              </a:prstGeom>
+            </p:spPr>
+          </p:pic>
+        </p:grpSp>
+      </p:grpSp>
       <p:sp>
         <p:nvSpPr>
           <p:cNvPr id="2" name="Title 1">
             <a:extLst>
               <a:ext uri="{FF2B5EF4-FFF2-40B4-BE49-F238E27FC236}">
-                <a16:creationId xmlns:a16="http://schemas.microsoft.com/office/drawing/2014/main" id="{21319C00-833D-4669-9F1C-0F17E7D41389}"/>
+                <a16:creationId xmlns:a16="http://schemas.microsoft.com/office/drawing/2014/main" id="{DAF7BA10-8574-41BA-A76E-3D7C1C777A26}"/>
               </a:ext>
             </a:extLst>
           </p:cNvPr>
@@ -6164,115 +6735,185 @@
             <p:ph type="title"/>
           </p:nvPr>
         </p:nvSpPr>
-        <p:spPr/>
-        <p:txBody>
-          <a:bodyPr/>
-          <a:lstStyle/>
-          <a:p>
-            <a:r>
-              <a:rPr lang="en-US" dirty="0"/>
-              <a:t>Technical Specifications</a:t>
-            </a:r>
-          </a:p>
-        </p:txBody>
-      </p:sp>
-      <p:sp>
-        <p:nvSpPr>
-          <p:cNvPr id="3" name="Content Placeholder 2">
+        <p:spPr>
+          <a:xfrm>
+            <a:off x="8013290" y="1041401"/>
+            <a:ext cx="3079006" cy="2345264"/>
+          </a:xfrm>
+        </p:spPr>
+        <p:txBody>
+          <a:bodyPr vert="horz" lIns="91440" tIns="45720" rIns="91440" bIns="45720" rtlCol="0" anchor="b">
+            <a:normAutofit/>
+          </a:bodyPr>
+          <a:lstStyle/>
+          <a:p>
+            <a:pPr>
+              <a:lnSpc>
+                <a:spcPct val="90000"/>
+              </a:lnSpc>
+            </a:pPr>
+            <a:r>
+              <a:rPr lang="en-US" sz="4600" dirty="0"/>
+              <a:t>Architecture Diagram</a:t>
+            </a:r>
+          </a:p>
+        </p:txBody>
+      </p:sp>
+      <p:sp>
+        <p:nvSpPr>
+          <p:cNvPr id="40" name="Rectangle 39">
             <a:extLst>
               <a:ext uri="{FF2B5EF4-FFF2-40B4-BE49-F238E27FC236}">
-                <a16:creationId xmlns:a16="http://schemas.microsoft.com/office/drawing/2014/main" id="{220F0435-E9EB-40CE-8DF9-C84433934883}"/>
+                <a16:creationId xmlns:a16="http://schemas.microsoft.com/office/drawing/2014/main" id="{1B057C70-1B97-42CE-9C74-A2B72760F9A3}"/>
+              </a:ext>
+              <a:ext uri="{C183D7F6-B498-43B3-948B-1728B52AA6E4}">
+                <adec:decorative xmlns:adec="http://schemas.microsoft.com/office/drawing/2017/decorative" val="1"/>
               </a:ext>
             </a:extLst>
           </p:cNvPr>
           <p:cNvSpPr>
-            <a:spLocks noGrp="1"/>
-          </p:cNvSpPr>
-          <p:nvPr>
-            <p:ph idx="1"/>
-          </p:nvPr>
-        </p:nvSpPr>
-        <p:spPr/>
-        <p:txBody>
-          <a:bodyPr>
-            <a:normAutofit fontScale="70000" lnSpcReduction="20000"/>
-          </a:bodyPr>
-          <a:lstStyle/>
-          <a:p>
-            <a:r>
-              <a:rPr lang="en-US" dirty="0"/>
-              <a:t>We are looking to build this on the AWS Cloud with a Node JS backend. We intend to make the app completely serverless. Below are the AWS Services we plan on using:</a:t>
-            </a:r>
-          </a:p>
-          <a:p>
-            <a:pPr lvl="0"/>
-            <a:r>
-              <a:rPr lang="en-US" dirty="0"/>
-              <a:t>AWS Cognito</a:t>
-            </a:r>
-          </a:p>
-          <a:p>
-            <a:pPr lvl="0"/>
-            <a:r>
-              <a:rPr lang="en-US" dirty="0"/>
-              <a:t>AWS S3</a:t>
-            </a:r>
-          </a:p>
-          <a:p>
-            <a:pPr lvl="0"/>
-            <a:r>
-              <a:rPr lang="en-US" dirty="0"/>
-              <a:t>AWS DynamoDB</a:t>
-            </a:r>
-          </a:p>
-          <a:p>
-            <a:pPr lvl="0"/>
-            <a:r>
-              <a:rPr lang="en-US" dirty="0"/>
-              <a:t>AWS </a:t>
-            </a:r>
-            <a:r>
-              <a:rPr lang="en-US" dirty="0" err="1"/>
-              <a:t>Rekognition</a:t>
-            </a:r>
-            <a:endParaRPr lang="en-US" dirty="0"/>
-          </a:p>
-          <a:p>
-            <a:pPr lvl="0"/>
-            <a:r>
-              <a:rPr lang="en-US" dirty="0"/>
-              <a:t>AWS Lambda</a:t>
-            </a:r>
-          </a:p>
-          <a:p>
-            <a:pPr lvl="0"/>
-            <a:r>
-              <a:rPr lang="en-US" dirty="0"/>
-              <a:t>AWS API Gateway</a:t>
-            </a:r>
-          </a:p>
-          <a:p>
-            <a:pPr lvl="0"/>
-            <a:r>
-              <a:rPr lang="en-US" dirty="0"/>
-              <a:t>AWS Lex</a:t>
-            </a:r>
-          </a:p>
-          <a:p>
-            <a:r>
-              <a:rPr lang="en-US" dirty="0"/>
-              <a:t>AWS Code Pipeline for the CICD process.</a:t>
-            </a:r>
-          </a:p>
-          <a:p>
-            <a:endParaRPr lang="en-US" dirty="0"/>
-          </a:p>
-        </p:txBody>
-      </p:sp>
+            <a:spLocks noGrp="1" noRot="1" noChangeAspect="1" noMove="1" noResize="1" noEditPoints="1" noAdjustHandles="1" noChangeArrowheads="1" noChangeShapeType="1" noTextEdit="1"/>
+          </p:cNvSpPr>
+          <p:nvPr>
+            <p:extLst>
+              <p:ext uri="{386F3935-93C4-4BCD-93E2-E3B085C9AB24}">
+                <p16:designElem xmlns:p16="http://schemas.microsoft.com/office/powerpoint/2015/main" val="1"/>
+              </p:ext>
+            </p:extLst>
+          </p:nvPr>
+        </p:nvSpPr>
+        <p:spPr>
+          <a:xfrm>
+            <a:off x="1092644" y="1092200"/>
+            <a:ext cx="6432130" cy="4515104"/>
+          </a:xfrm>
+          <a:prstGeom prst="rect">
+            <a:avLst/>
+          </a:prstGeom>
+          <a:solidFill>
+            <a:schemeClr val="bg1"/>
+          </a:solidFill>
+          <a:ln w="57150" cmpd="thickThin">
+            <a:solidFill>
+              <a:schemeClr val="tx1">
+                <a:lumMod val="50000"/>
+                <a:lumOff val="50000"/>
+              </a:schemeClr>
+            </a:solidFill>
+            <a:miter lim="800000"/>
+          </a:ln>
+        </p:spPr>
+        <p:style>
+          <a:lnRef idx="2">
+            <a:schemeClr val="accent1">
+              <a:shade val="50000"/>
+            </a:schemeClr>
+          </a:lnRef>
+          <a:fillRef idx="1">
+            <a:schemeClr val="accent1"/>
+          </a:fillRef>
+          <a:effectRef idx="0">
+            <a:schemeClr val="accent1"/>
+          </a:effectRef>
+          <a:fontRef idx="minor">
+            <a:schemeClr val="lt1"/>
+          </a:fontRef>
+        </p:style>
+        <p:txBody>
+          <a:bodyPr rtlCol="0" anchor="ctr"/>
+          <a:lstStyle/>
+          <a:p>
+            <a:pPr algn="ctr"/>
+            <a:endParaRPr lang="en-US"/>
+          </a:p>
+        </p:txBody>
+      </p:sp>
+      <p:pic>
+        <p:nvPicPr>
+          <p:cNvPr id="6" name="Picture 5" descr="A screen shot of a computer&#10;&#10;Description automatically generated">
+            <a:extLst>
+              <a:ext uri="{FF2B5EF4-FFF2-40B4-BE49-F238E27FC236}">
+                <a16:creationId xmlns:a16="http://schemas.microsoft.com/office/drawing/2014/main" id="{1EED475F-2905-46E2-AB24-A2C7CA9A5B8F}"/>
+              </a:ext>
+            </a:extLst>
+          </p:cNvPr>
+          <p:cNvPicPr/>
+          <p:nvPr/>
+        </p:nvPicPr>
+        <p:blipFill>
+          <a:blip r:embed="rId7">
+            <a:extLst>
+              <a:ext uri="{28A0092B-C50C-407E-A947-70E740481C1C}">
+                <a14:useLocalDpi xmlns:a14="http://schemas.microsoft.com/office/drawing/2010/main" val="0"/>
+              </a:ext>
+            </a:extLst>
+          </a:blip>
+          <a:stretch>
+            <a:fillRect/>
+          </a:stretch>
+        </p:blipFill>
+        <p:spPr bwMode="auto">
+          <a:xfrm>
+            <a:off x="1272209" y="1090415"/>
+            <a:ext cx="6252565" cy="4504528"/>
+          </a:xfrm>
+          <a:prstGeom prst="rect">
+            <a:avLst/>
+          </a:prstGeom>
+          <a:noFill/>
+        </p:spPr>
+      </p:pic>
+      <p:cxnSp>
+        <p:nvCxnSpPr>
+          <p:cNvPr id="42" name="Straight Connector 41">
+            <a:extLst>
+              <a:ext uri="{FF2B5EF4-FFF2-40B4-BE49-F238E27FC236}">
+                <a16:creationId xmlns:a16="http://schemas.microsoft.com/office/drawing/2014/main" id="{0EC6C006-F859-490E-A780-57D4CC53064F}"/>
+              </a:ext>
+              <a:ext uri="{C183D7F6-B498-43B3-948B-1728B52AA6E4}">
+                <adec:decorative xmlns:adec="http://schemas.microsoft.com/office/drawing/2017/decorative" val="1"/>
+              </a:ext>
+            </a:extLst>
+          </p:cNvPr>
+          <p:cNvCxnSpPr>
+            <a:cxnSpLocks noGrp="1" noRot="1" noChangeAspect="1" noMove="1" noResize="1" noEditPoints="1" noAdjustHandles="1" noChangeArrowheads="1" noChangeShapeType="1"/>
+          </p:cNvCxnSpPr>
+          <p:nvPr>
+            <p:extLst>
+              <p:ext uri="{386F3935-93C4-4BCD-93E2-E3B085C9AB24}">
+                <p16:designElem xmlns:p16="http://schemas.microsoft.com/office/powerpoint/2015/main" val="1"/>
+              </p:ext>
+            </p:extLst>
+          </p:nvPr>
+        </p:nvCxnSpPr>
+        <p:spPr>
+          <a:xfrm>
+            <a:off x="7999431" y="3509772"/>
+            <a:ext cx="3074977" cy="12359"/>
+          </a:xfrm>
+          <a:prstGeom prst="line">
+            <a:avLst/>
+          </a:prstGeom>
+        </p:spPr>
+        <p:style>
+          <a:lnRef idx="2">
+            <a:schemeClr val="accent1"/>
+          </a:lnRef>
+          <a:fillRef idx="0">
+            <a:schemeClr val="accent1"/>
+          </a:fillRef>
+          <a:effectRef idx="1">
+            <a:schemeClr val="accent1"/>
+          </a:effectRef>
+          <a:fontRef idx="minor">
+            <a:schemeClr val="tx1"/>
+          </a:fontRef>
+        </p:style>
+      </p:cxnSp>
     </p:spTree>
     <p:extLst>
       <p:ext uri="{BB962C8B-B14F-4D97-AF65-F5344CB8AC3E}">
-        <p14:creationId xmlns:p14="http://schemas.microsoft.com/office/powerpoint/2010/main" val="404264993"/>
+        <p14:creationId xmlns:p14="http://schemas.microsoft.com/office/powerpoint/2010/main" val="3980039609"/>
       </p:ext>
     </p:extLst>
   </p:cSld>
@@ -6283,118 +6924,6 @@
 </file>
 
 <file path=ppt/slides/slide5.xml><?xml version="1.0" encoding="utf-8"?>
-<p:sld xmlns:a="http://schemas.openxmlformats.org/drawingml/2006/main" xmlns:r="http://schemas.openxmlformats.org/officeDocument/2006/relationships" xmlns:p="http://schemas.openxmlformats.org/presentationml/2006/main">
-  <p:cSld>
-    <p:spTree>
-      <p:nvGrpSpPr>
-        <p:cNvPr id="1" name=""/>
-        <p:cNvGrpSpPr/>
-        <p:nvPr/>
-      </p:nvGrpSpPr>
-      <p:grpSpPr>
-        <a:xfrm>
-          <a:off x="0" y="0"/>
-          <a:ext cx="0" cy="0"/>
-          <a:chOff x="0" y="0"/>
-          <a:chExt cx="0" cy="0"/>
-        </a:xfrm>
-      </p:grpSpPr>
-      <p:sp>
-        <p:nvSpPr>
-          <p:cNvPr id="2" name="Title 1">
-            <a:extLst>
-              <a:ext uri="{FF2B5EF4-FFF2-40B4-BE49-F238E27FC236}">
-                <a16:creationId xmlns:a16="http://schemas.microsoft.com/office/drawing/2014/main" id="{8243DFE6-8FE4-4A87-BEEC-4696F1AA4DDF}"/>
-              </a:ext>
-            </a:extLst>
-          </p:cNvPr>
-          <p:cNvSpPr>
-            <a:spLocks noGrp="1"/>
-          </p:cNvSpPr>
-          <p:nvPr>
-            <p:ph type="title"/>
-          </p:nvPr>
-        </p:nvSpPr>
-        <p:spPr/>
-        <p:txBody>
-          <a:bodyPr/>
-          <a:lstStyle/>
-          <a:p>
-            <a:r>
-              <a:rPr lang="en-US" dirty="0"/>
-              <a:t>Where are we?</a:t>
-            </a:r>
-          </a:p>
-        </p:txBody>
-      </p:sp>
-      <p:sp>
-        <p:nvSpPr>
-          <p:cNvPr id="3" name="Content Placeholder 2">
-            <a:extLst>
-              <a:ext uri="{FF2B5EF4-FFF2-40B4-BE49-F238E27FC236}">
-                <a16:creationId xmlns:a16="http://schemas.microsoft.com/office/drawing/2014/main" id="{67915A3E-8705-4D36-A12B-665938E98DE5}"/>
-              </a:ext>
-            </a:extLst>
-          </p:cNvPr>
-          <p:cNvSpPr>
-            <a:spLocks noGrp="1"/>
-          </p:cNvSpPr>
-          <p:nvPr>
-            <p:ph idx="1"/>
-          </p:nvPr>
-        </p:nvSpPr>
-        <p:spPr/>
-        <p:txBody>
-          <a:bodyPr>
-            <a:normAutofit/>
-          </a:bodyPr>
-          <a:lstStyle/>
-          <a:p>
-            <a:r>
-              <a:rPr lang="en-US" dirty="0"/>
-              <a:t>We have set up Cognito login for the employees.</a:t>
-            </a:r>
-          </a:p>
-          <a:p>
-            <a:r>
-              <a:rPr lang="en-US" dirty="0"/>
-              <a:t>We have built the registration of customers by storing basic details in DynamoDB and Images in S3.</a:t>
-            </a:r>
-          </a:p>
-          <a:p>
-            <a:r>
-              <a:rPr lang="en-US" dirty="0"/>
-              <a:t>Working on the image comparison module to identify registered customers.</a:t>
-            </a:r>
-          </a:p>
-          <a:p>
-            <a:r>
-              <a:rPr lang="en-US" dirty="0"/>
-              <a:t>Built the LEX bot by configuring some intents. Needs to be finetuned.</a:t>
-            </a:r>
-          </a:p>
-          <a:p>
-            <a:r>
-              <a:rPr lang="en-US" dirty="0"/>
-              <a:t>Working on using serverless framework to build the integration with twitter.</a:t>
-            </a:r>
-          </a:p>
-        </p:txBody>
-      </p:sp>
-    </p:spTree>
-    <p:extLst>
-      <p:ext uri="{BB962C8B-B14F-4D97-AF65-F5344CB8AC3E}">
-        <p14:creationId xmlns:p14="http://schemas.microsoft.com/office/powerpoint/2010/main" val="81404475"/>
-      </p:ext>
-    </p:extLst>
-  </p:cSld>
-  <p:clrMapOvr>
-    <a:masterClrMapping/>
-  </p:clrMapOvr>
-</p:sld>
-</file>
-
-<file path=ppt/slides/slide6.xml><?xml version="1.0" encoding="utf-8"?>
 <p:sld xmlns:a="http://schemas.openxmlformats.org/drawingml/2006/main" xmlns:r="http://schemas.openxmlformats.org/officeDocument/2006/relationships" xmlns:p="http://schemas.openxmlformats.org/presentationml/2006/main">
   <p:cSld>
     <p:spTree>
